--- a/projet_3/Chimier_Ludovic_1_presentation_092024.pptx
+++ b/projet_3/Chimier_Ludovic_1_presentation_092024.pptx
@@ -5087,7 +5087,7 @@
         </p:spPr>
         <p:txBody>
           <a:bodyPr>
-            <a:normAutofit fontScale="90000"/>
+            <a:normAutofit/>
           </a:bodyPr>
           <a:lstStyle/>
           <a:p>
@@ -5105,7 +5105,7 @@
             </a:r>
             <a:r>
               <a:rPr lang="fr-FR" sz="2200" dirty="0"/>
-              <a:t> et la cible (ANOVA) 2/2</a:t>
+              <a:t> et la cible 2/2</a:t>
             </a:r>
           </a:p>
         </p:txBody>
@@ -5284,7 +5284,7 @@
                   <a:schemeClr val="tx1"/>
                 </a:solidFill>
               </a:rPr>
-              <a:t>On voit que les médianes et les moyennes (point rouge) varient nettement d’une catégorie à l’autre. Ces variations sous-entendent une dépendance entre ces </a:t>
+              <a:t>Les variations de la médiane et de la moyenne sous-entendent une dépendance entre ces </a:t>
             </a:r>
             <a:r>
               <a:rPr lang="fr-FR" sz="1400" dirty="0" err="1">
@@ -5872,146 +5872,130 @@
           </a:lstStyle>
           <a:p>
             <a:r>
-              <a:rPr lang="fr-FR" sz="1200" dirty="0"/>
+              <a:rPr lang="fr-FR" sz="1400" dirty="0"/>
               <a:t>La mise en place de l’ACP est expliquée dans l’annexe 4.</a:t>
             </a:r>
           </a:p>
           <a:p>
             <a:r>
-              <a:rPr lang="fr-FR" sz="1200" b="1" u="sng" dirty="0"/>
-              <a:t>Certaines catégories ont tendance à se regrouper dans certaines zones de la projection, ce qui signifie qu’elles partagent des caractéristiques similaires en fonction des composantes principales F1 et F2.</a:t>
-            </a:r>
-          </a:p>
-          <a:p>
-            <a:r>
-              <a:rPr lang="fr-FR" sz="1200" dirty="0"/>
-              <a:t>Les produits de la catégorie "</a:t>
-            </a:r>
-            <a:r>
-              <a:rPr lang="fr-FR" sz="1200" dirty="0" err="1"/>
+              <a:rPr lang="fr-FR" sz="1400" b="1" u="sng" dirty="0"/>
+              <a:t>Certaines catégories ont tendance à se regrouper dans certaines zones de la projection F1 / F2.</a:t>
+            </a:r>
+          </a:p>
+          <a:p>
+            <a:r>
+              <a:rPr lang="fr-FR" sz="1400" dirty="0"/>
+              <a:t>Exemples : </a:t>
+            </a:r>
+          </a:p>
+          <a:p>
+            <a:pPr lvl="1">
+              <a:buFont typeface="Wingdings" panose="05000000000000000000" pitchFamily="2" charset="2"/>
+              <a:buChar char="ü"/>
+            </a:pPr>
+            <a:r>
+              <a:rPr lang="fr-FR" sz="1400" dirty="0"/>
+              <a:t>"</a:t>
+            </a:r>
+            <a:r>
+              <a:rPr lang="fr-FR" sz="1400" dirty="0" err="1"/>
               <a:t>Sugary</a:t>
             </a:r>
             <a:r>
-              <a:rPr lang="fr-FR" sz="1200" dirty="0"/>
-              <a:t> snacks" (en vert) vers la partie gauche et inférieure de la projection.</a:t>
-            </a:r>
-          </a:p>
-          <a:p>
-            <a:r>
-              <a:rPr lang="fr-FR" sz="1200" dirty="0"/>
-              <a:t>Les produits "fat and sauces" (rose) sur 2 zones, suivant les flèches du cercle de corrélation du 1er plan factoriel 'fat' et '</a:t>
-            </a:r>
-            <a:r>
-              <a:rPr lang="fr-FR" sz="1200" dirty="0" err="1"/>
-              <a:t>salt</a:t>
-            </a:r>
-            <a:r>
-              <a:rPr lang="fr-FR" sz="1200" dirty="0"/>
-              <a:t>'. Ce sont des produits généralement pauvres en </a:t>
-            </a:r>
-            <a:r>
-              <a:rPr lang="fr-FR" sz="1200" dirty="0" err="1"/>
-              <a:t>protéins</a:t>
-            </a:r>
-            <a:r>
-              <a:rPr lang="fr-FR" sz="1200" dirty="0"/>
-              <a:t>. Donc il y a la zone où on trouve les produits gras, mais sans sel (comme les huiles), et la zone où on trouve les sauces salées, et pas forcément grasses, notamment celles à base de sauce tomates.</a:t>
-            </a:r>
-          </a:p>
-          <a:p>
-            <a:r>
-              <a:rPr lang="fr-FR" sz="1200" dirty="0"/>
-              <a:t>Les produits "</a:t>
-            </a:r>
-            <a:r>
-              <a:rPr lang="fr-FR" sz="1200" dirty="0" err="1"/>
+              <a:rPr lang="fr-FR" sz="1400" dirty="0"/>
+              <a:t> snacks" (en vert) : partie gauche et inférieure.</a:t>
+            </a:r>
+          </a:p>
+          <a:p>
+            <a:pPr lvl="1">
+              <a:buFont typeface="Wingdings" panose="05000000000000000000" pitchFamily="2" charset="2"/>
+              <a:buChar char="ü"/>
+            </a:pPr>
+            <a:r>
+              <a:rPr lang="fr-FR" sz="1400" dirty="0"/>
+              <a:t>"fat and sauces" (rose) sur 2 zones</a:t>
+            </a:r>
+          </a:p>
+          <a:p>
+            <a:pPr lvl="1">
+              <a:buFont typeface="Wingdings" panose="05000000000000000000" pitchFamily="2" charset="2"/>
+              <a:buChar char="ü"/>
+            </a:pPr>
+            <a:r>
+              <a:rPr lang="fr-FR" sz="1400" dirty="0"/>
+              <a:t>"</a:t>
+            </a:r>
+            <a:r>
+              <a:rPr lang="fr-FR" sz="1400" dirty="0" err="1"/>
               <a:t>fish</a:t>
             </a:r>
             <a:r>
-              <a:rPr lang="fr-FR" sz="1200" dirty="0"/>
+              <a:rPr lang="fr-FR" sz="1400" dirty="0"/>
               <a:t>, </a:t>
             </a:r>
             <a:r>
-              <a:rPr lang="fr-FR" sz="1200" dirty="0" err="1"/>
+              <a:rPr lang="fr-FR" sz="1400" dirty="0" err="1"/>
               <a:t>meat</a:t>
             </a:r>
             <a:r>
-              <a:rPr lang="fr-FR" sz="1200" dirty="0"/>
+              <a:rPr lang="fr-FR" sz="1400" dirty="0"/>
               <a:t> </a:t>
             </a:r>
             <a:r>
-              <a:rPr lang="fr-FR" sz="1200" dirty="0" err="1"/>
+              <a:rPr lang="fr-FR" sz="1400" dirty="0" err="1"/>
               <a:t>eggs</a:t>
             </a:r>
             <a:r>
-              <a:rPr lang="fr-FR" sz="1200" dirty="0"/>
-              <a:t> », bien regroupés, produits généralement fort en protéines, ils suivent la </a:t>
-            </a:r>
-            <a:r>
-              <a:rPr lang="fr-FR" sz="1200" dirty="0" err="1"/>
-              <a:t>flêche</a:t>
-            </a:r>
-            <a:r>
-              <a:rPr lang="fr-FR" sz="1200" dirty="0"/>
-              <a:t> "protéines".</a:t>
-            </a:r>
-          </a:p>
-          <a:p>
-            <a:r>
-              <a:rPr lang="fr-FR" sz="1200" dirty="0"/>
-              <a:t>Les produits laitiers (orange) sont assez regroupés dans la même zone.</a:t>
-            </a:r>
-          </a:p>
-          <a:p>
-            <a:r>
-              <a:rPr lang="fr-FR" sz="1200" dirty="0"/>
-              <a:t>Les "</a:t>
-            </a:r>
-            <a:r>
-              <a:rPr lang="fr-FR" sz="1200" dirty="0" err="1"/>
-              <a:t>cerals</a:t>
-            </a:r>
-            <a:r>
-              <a:rPr lang="fr-FR" sz="1200" dirty="0"/>
-              <a:t> and </a:t>
-            </a:r>
-            <a:r>
-              <a:rPr lang="fr-FR" sz="1200" dirty="0" err="1"/>
-              <a:t>potatoes</a:t>
-            </a:r>
-            <a:r>
-              <a:rPr lang="fr-FR" sz="1200" dirty="0"/>
-              <a:t>" (rouge) sont également regroupés dans le même secteur, à quelques exceptions près.</a:t>
-            </a:r>
-          </a:p>
-          <a:p>
-            <a:r>
-              <a:rPr lang="fr-FR" sz="1200" dirty="0"/>
-              <a:t>Les boissons (bleues) sont assez dispersées.</a:t>
-            </a:r>
-          </a:p>
-          <a:p>
-            <a:r>
-              <a:rPr lang="fr-FR" sz="1200" dirty="0"/>
-              <a:t>Il est difficile de visualiser les autres catégories de produits car il y a moins d'individus par catégorie.</a:t>
-            </a:r>
-          </a:p>
-          <a:p>
-            <a:r>
-              <a:rPr lang="fr-FR" sz="1200" dirty="0"/>
+              <a:rPr lang="fr-FR" sz="1400" dirty="0"/>
+              <a:t>  »</a:t>
+            </a:r>
+          </a:p>
+          <a:p>
+            <a:r>
+              <a:rPr lang="fr-FR" sz="1400" dirty="0"/>
               <a:t>Les « composite </a:t>
             </a:r>
             <a:r>
-              <a:rPr lang="fr-FR" sz="1200" dirty="0" err="1"/>
+              <a:rPr lang="fr-FR" sz="1400" dirty="0" err="1"/>
               <a:t>foods</a:t>
             </a:r>
             <a:r>
-              <a:rPr lang="fr-FR" sz="1200" dirty="0"/>
-              <a:t> » sont des produits composés. Donc ils peuvent se trouver dans n'importe quelle zone.</a:t>
+              <a:rPr lang="fr-FR" sz="1400" dirty="0"/>
+              <a:t> » sont des produits composés : ils peuvent se trouver dans n'importe quelle zone.</a:t>
             </a:r>
           </a:p>
         </p:txBody>
       </p:sp>
+      <p:pic>
+        <p:nvPicPr>
+          <p:cNvPr id="3" name="Image 2">
+            <a:extLst>
+              <a:ext uri="{FF2B5EF4-FFF2-40B4-BE49-F238E27FC236}">
+                <a16:creationId xmlns:a16="http://schemas.microsoft.com/office/drawing/2014/main" id="{65293C52-2F31-9A03-DD6B-C8F2ACF7FE28}"/>
+              </a:ext>
+            </a:extLst>
+          </p:cNvPr>
+          <p:cNvPicPr>
+            <a:picLocks noChangeAspect="1"/>
+          </p:cNvPicPr>
+          <p:nvPr/>
+        </p:nvPicPr>
+        <p:blipFill>
+          <a:blip r:embed="rId3"/>
+          <a:stretch>
+            <a:fillRect/>
+          </a:stretch>
+        </p:blipFill>
+        <p:spPr>
+          <a:xfrm>
+            <a:off x="8070209" y="3850547"/>
+            <a:ext cx="3244137" cy="2892408"/>
+          </a:xfrm>
+          <a:prstGeom prst="rect">
+            <a:avLst/>
+          </a:prstGeom>
+        </p:spPr>
+      </p:pic>
     </p:spTree>
     <p:extLst>
       <p:ext uri="{BB962C8B-B14F-4D97-AF65-F5344CB8AC3E}">
@@ -6098,7 +6082,7 @@
         <p:spPr>
           <a:xfrm>
             <a:off x="7264866" y="1220311"/>
-            <a:ext cx="4720180" cy="5272563"/>
+            <a:ext cx="4720180" cy="994383"/>
           </a:xfrm>
           <a:prstGeom prst="rect">
             <a:avLst/>
@@ -6274,70 +6258,22 @@
           </a:lstStyle>
           <a:p>
             <a:r>
-              <a:rPr lang="fr-FR" sz="1200" dirty="0"/>
-              <a:t>La mise en place de l’ACP est expliquée dans l’annexe 4.</a:t>
-            </a:r>
-          </a:p>
-          <a:p>
-            <a:r>
-              <a:rPr lang="fr-FR" sz="1200" b="1" u="sng" dirty="0"/>
-              <a:t>Certaines catégories ont tendance à se regrouper dans certaines zones de la projection, ce qui signifie qu’elles partagent des caractéristiques similaires en fonction des composantes principales F1 et F5.</a:t>
-            </a:r>
-          </a:p>
-          <a:p>
-            <a:r>
-              <a:rPr lang="fr-FR" sz="1200" dirty="0"/>
-              <a:t>Les produits de la catégorie « </a:t>
-            </a:r>
-            <a:r>
-              <a:rPr lang="fr-FR" sz="1200" dirty="0" err="1"/>
+              <a:rPr lang="fr-FR" sz="1400" dirty="0"/>
+              <a:t>F5 est une composante mineure (5,5%), mais</a:t>
+            </a:r>
+          </a:p>
+          <a:p>
+            <a:r>
+              <a:rPr lang="fr-FR" sz="1400" dirty="0"/>
+              <a:t>Cette projection permet d’observer le regroupement des produits de la catégorie « </a:t>
+            </a:r>
+            <a:r>
+              <a:rPr lang="fr-FR" sz="1400" dirty="0" err="1"/>
               <a:t>salty</a:t>
             </a:r>
             <a:r>
-              <a:rPr lang="fr-FR" sz="1200" dirty="0"/>
+              <a:rPr lang="fr-FR" sz="1400" dirty="0"/>
               <a:t> snacks" (en marron)</a:t>
-            </a:r>
-          </a:p>
-          <a:p>
-            <a:r>
-              <a:rPr lang="fr-FR" sz="1200" dirty="0"/>
-              <a:t>Les "</a:t>
-            </a:r>
-            <a:r>
-              <a:rPr lang="fr-FR" sz="1200" dirty="0" err="1"/>
-              <a:t>cerals</a:t>
-            </a:r>
-            <a:r>
-              <a:rPr lang="fr-FR" sz="1200" dirty="0"/>
-              <a:t> and </a:t>
-            </a:r>
-            <a:r>
-              <a:rPr lang="fr-FR" sz="1200" dirty="0" err="1"/>
-              <a:t>potatoes</a:t>
-            </a:r>
-            <a:r>
-              <a:rPr lang="fr-FR" sz="1200" dirty="0"/>
-              <a:t>" (rouge) sont également regroupés dans le même secteur, à quelques exceptions près.</a:t>
-            </a:r>
-          </a:p>
-          <a:p>
-            <a:r>
-              <a:rPr lang="fr-FR" sz="1200" dirty="0"/>
-              <a:t>Les boissons (bleues) sont assez dispersées, mais plus nombreux au centre.</a:t>
-            </a:r>
-          </a:p>
-          <a:p>
-            <a:r>
-              <a:rPr lang="fr-FR" sz="1200" dirty="0"/>
-              <a:t>L’axe F5 est très dépendant des carbohydrates (positivement) et des </a:t>
-            </a:r>
-            <a:r>
-              <a:rPr lang="fr-FR" sz="1200" dirty="0" err="1"/>
-              <a:t>sugars</a:t>
-            </a:r>
-            <a:r>
-              <a:rPr lang="fr-FR" sz="1200" dirty="0"/>
-              <a:t> (négativement), et un peu dépendant de fat (positivement) – voir cercle des corrélations ci-dessous</a:t>
             </a:r>
           </a:p>
         </p:txBody>
@@ -6394,8 +6330,8 @@
         </p:blipFill>
         <p:spPr>
           <a:xfrm>
-            <a:off x="8307972" y="4041943"/>
-            <a:ext cx="3045828" cy="2692232"/>
+            <a:off x="7399266" y="2348917"/>
+            <a:ext cx="4451380" cy="3934611"/>
           </a:xfrm>
           <a:prstGeom prst="rect">
             <a:avLst/>
@@ -6661,7 +6597,7 @@
           </a:lstStyle>
           <a:p>
             <a:r>
-              <a:rPr lang="fr-FR" sz="1400" dirty="0"/>
+              <a:rPr lang="fr-FR" sz="1600" dirty="0"/>
               <a:t>Les étapes du nettoyage des données ont montré qu'il était possible :</a:t>
             </a:r>
           </a:p>
@@ -6671,7 +6607,7 @@
               <a:buChar char="ü"/>
             </a:pPr>
             <a:r>
-              <a:rPr lang="fr-FR" sz="1200" dirty="0"/>
+              <a:rPr lang="fr-FR" sz="1400" dirty="0"/>
               <a:t>de nettoyer le jeu de données,</a:t>
             </a:r>
           </a:p>
@@ -6681,7 +6617,7 @@
               <a:buChar char="ü"/>
             </a:pPr>
             <a:r>
-              <a:rPr lang="fr-FR" sz="1200" dirty="0"/>
+              <a:rPr lang="fr-FR" sz="1400" dirty="0"/>
               <a:t>de traiter les valeurs aberrantes</a:t>
             </a:r>
           </a:p>
@@ -6691,50 +6627,58 @@
               <a:buChar char="ü"/>
             </a:pPr>
             <a:r>
-              <a:rPr lang="fr-FR" sz="1200" dirty="0"/>
+              <a:rPr lang="fr-FR" sz="1400" dirty="0"/>
               <a:t>de traiter les valeurs manquantes</a:t>
             </a:r>
           </a:p>
           <a:p>
             <a:r>
-              <a:rPr lang="fr-FR" sz="1400" dirty="0"/>
+              <a:rPr lang="fr-FR" sz="1600" dirty="0"/>
               <a:t>Il est parfois nécessaire de supprimer des produits pour lesquels le traitement des valeurs manquantes n'est pas possible.</a:t>
             </a:r>
           </a:p>
           <a:p>
             <a:r>
-              <a:rPr lang="fr-FR" sz="1400" dirty="0"/>
+              <a:rPr lang="fr-FR" sz="1600" dirty="0"/>
               <a:t>Les analyses ont montré des corrélations entre des variables (</a:t>
             </a:r>
             <a:r>
-              <a:rPr lang="fr-FR" sz="1400" dirty="0" err="1"/>
+              <a:rPr lang="fr-FR" sz="1600" dirty="0" err="1"/>
               <a:t>features</a:t>
             </a:r>
             <a:r>
-              <a:rPr lang="fr-FR" sz="1400" dirty="0"/>
+              <a:rPr lang="fr-FR" sz="1600" dirty="0"/>
               <a:t>) sélectionnées, et entre la variable cible et ces </a:t>
             </a:r>
             <a:r>
-              <a:rPr lang="fr-FR" sz="1400" dirty="0" err="1"/>
+              <a:rPr lang="fr-FR" sz="1600" dirty="0" err="1"/>
               <a:t>features</a:t>
             </a:r>
             <a:r>
-              <a:rPr lang="fr-FR" sz="1400" dirty="0"/>
+              <a:rPr lang="fr-FR" sz="1600" dirty="0"/>
               <a:t>. Il serait donc possible dans les étapes suivantes, de compléter les valeurs manquantes de la cible à partir des </a:t>
             </a:r>
             <a:r>
-              <a:rPr lang="fr-FR" sz="1400" dirty="0" err="1"/>
+              <a:rPr lang="fr-FR" sz="1600" dirty="0" err="1"/>
               <a:t>features</a:t>
             </a:r>
             <a:r>
-              <a:rPr lang="fr-FR" sz="1400" dirty="0"/>
+              <a:rPr lang="fr-FR" sz="1600" dirty="0"/>
               <a:t>. </a:t>
             </a:r>
           </a:p>
           <a:p>
             <a:r>
-              <a:rPr lang="fr-FR" sz="1400" dirty="0"/>
-              <a:t>Caractéristiques par catégorie de la cible :</a:t>
+              <a:rPr lang="fr-FR" sz="1600" dirty="0"/>
+              <a:t>Le choix des </a:t>
+            </a:r>
+            <a:r>
+              <a:rPr lang="fr-FR" sz="1600" dirty="0" err="1"/>
+              <a:t>features</a:t>
+            </a:r>
+            <a:r>
+              <a:rPr lang="fr-FR" sz="1600" dirty="0"/>
+              <a:t> ci-dessous permet donc de déterminer la variable cible « pnns_groups_1  » :</a:t>
             </a:r>
           </a:p>
           <a:p>
@@ -6743,8 +6687,8 @@
               <a:buChar char="ü"/>
             </a:pPr>
             <a:r>
-              <a:rPr lang="fr-FR" sz="1200" dirty="0"/>
-              <a:t>Les boissons sont pauvres en protéines, sel, et graisses. C’est la seule catégorie dans ce cas.</a:t>
+              <a:rPr lang="fr-FR" sz="1400" dirty="0"/>
+              <a:t>energy_100g </a:t>
             </a:r>
           </a:p>
           <a:p>
@@ -6753,8 +6697,8 @@
               <a:buChar char="ü"/>
             </a:pPr>
             <a:r>
-              <a:rPr lang="fr-FR" sz="1200" dirty="0"/>
-              <a:t>Les produits laitiers peuvent être déterminés par la projection F1/F2</a:t>
+              <a:rPr lang="fr-FR" sz="1400" dirty="0"/>
+              <a:t>proteins_100g </a:t>
             </a:r>
           </a:p>
           <a:p>
@@ -6763,16 +6707,8 @@
               <a:buChar char="ü"/>
             </a:pPr>
             <a:r>
-              <a:rPr lang="fr-FR" sz="1200" dirty="0"/>
-              <a:t>Les snacks sucrés peuvent être déterminés par la projection F1/F2, par leur </a:t>
-            </a:r>
-            <a:r>
-              <a:rPr lang="fr-FR" sz="1200" dirty="0" err="1"/>
-              <a:t>nutrition_grade_fr</a:t>
-            </a:r>
-            <a:r>
-              <a:rPr lang="fr-FR" sz="1200" dirty="0"/>
-              <a:t> = « d » ou « e », et le fait qu’ils soient riches en carbohydrates</a:t>
+              <a:rPr lang="fr-FR" sz="1400" dirty="0"/>
+              <a:t>fat_100g </a:t>
             </a:r>
           </a:p>
           <a:p>
@@ -6781,8 +6717,8 @@
               <a:buChar char="ü"/>
             </a:pPr>
             <a:r>
-              <a:rPr lang="fr-FR" sz="1200" dirty="0"/>
-              <a:t>Les céréales et patates, peuvent être déterminés par la projection F1/F2, et le fait qu’ils soient pauvres en graisse et riches en carbohydrates</a:t>
+              <a:rPr lang="fr-FR" sz="1400" dirty="0"/>
+              <a:t>carbohydrates_100g </a:t>
             </a:r>
           </a:p>
           <a:p>
@@ -6791,8 +6727,8 @@
               <a:buChar char="ü"/>
             </a:pPr>
             <a:r>
-              <a:rPr lang="fr-FR" sz="1200" dirty="0"/>
-              <a:t>Les snacks salés pourraient être identifiés par le fait qu’ils sont les plus gras, derrière les « sauces et graisses », mais que contrairement aux « sauces et graisses », ils sont aussi riches en protéines. Ils sont également regroupés sur la projection F1/F5.</a:t>
+              <a:rPr lang="fr-FR" sz="1400" dirty="0"/>
+              <a:t>salt_100g </a:t>
             </a:r>
           </a:p>
           <a:p>
@@ -6801,8 +6737,8 @@
               <a:buChar char="ü"/>
             </a:pPr>
             <a:r>
-              <a:rPr lang="fr-FR" sz="1200" dirty="0"/>
-              <a:t>Les « sauces et graisses » peuvent être déterminés par la projection F1/F2 avec en complément le fait qu’ils soient pauvres en protéines, et riches en graisse.</a:t>
+              <a:rPr lang="fr-FR" sz="1400" dirty="0"/>
+              <a:t>sugars_100g </a:t>
             </a:r>
           </a:p>
           <a:p>
@@ -6811,16 +6747,8 @@
               <a:buChar char="ü"/>
             </a:pPr>
             <a:r>
-              <a:rPr lang="fr-FR" sz="1200" dirty="0"/>
-              <a:t>Les fruits et légumes peuvent être déterminés par le fait qu’ils sont très pauvres en graisse, pauvres en protéines, et un </a:t>
-            </a:r>
-            <a:r>
-              <a:rPr lang="fr-FR" sz="1200" dirty="0" err="1"/>
-              <a:t>nutrition_grade_fr</a:t>
-            </a:r>
-            <a:r>
-              <a:rPr lang="fr-FR" sz="1200" dirty="0"/>
-              <a:t> généralement « a » (comme les céréales, mais les céréales sont très riches en carbohydrates, contrairement aux fruits et légumes)</a:t>
+              <a:rPr lang="fr-FR" sz="1400" dirty="0"/>
+              <a:t>saturated-fat_100g </a:t>
             </a:r>
           </a:p>
           <a:p>
@@ -6829,24 +6757,18 @@
               <a:buChar char="ü"/>
             </a:pPr>
             <a:r>
-              <a:rPr lang="fr-FR" sz="1200" dirty="0"/>
-              <a:t>Les poissons, viande, et œufs peuvent être déterminés par la projection F1/F2, et par le fait qu’ils sont les plus riches en protéines, et les plus pauvres en carbohydrates</a:t>
-            </a:r>
-          </a:p>
-          <a:p>
-            <a:pPr lvl="1">
-              <a:buFont typeface="Wingdings" panose="05000000000000000000" pitchFamily="2" charset="2"/>
-              <a:buChar char="ü"/>
-            </a:pPr>
-            <a:r>
-              <a:rPr lang="fr-FR" sz="1200" dirty="0"/>
-              <a:t>Les produits composés seront difficiles à identifier, même s’ils ont tendance à se regrouper dans une projection sur Energy/Salt.</a:t>
-            </a:r>
+              <a:rPr lang="fr-FR" sz="1400" dirty="0" err="1"/>
+              <a:t>nutrition_grade_fr</a:t>
+            </a:r>
+            <a:endParaRPr lang="fr-FR" sz="1400" dirty="0"/>
+          </a:p>
+          <a:p>
+            <a:endParaRPr lang="fr-FR" sz="1600" dirty="0"/>
           </a:p>
           <a:p>
             <a:r>
               <a:rPr lang="fr-FR" sz="1600" dirty="0"/>
-              <a:t>L’application demandée semble réalisable, avec une réserve pour la catégorie des produits composés</a:t>
+              <a:t>L’application demandée semble réalisable, avec une réserve pour la catégorie des produits composés.</a:t>
             </a:r>
           </a:p>
           <a:p>
@@ -10263,19 +10185,7 @@
               <a:rPr lang="fr-FR" sz="1400" dirty="0">
                 <a:sym typeface="Wingdings" panose="05000000000000000000" pitchFamily="2" charset="2"/>
               </a:rPr>
-              <a:t>Supprimer les produits n’ayant pas de valeur cible, notamment ceux ayant la valeur « </a:t>
-            </a:r>
-            <a:r>
-              <a:rPr lang="fr-FR" sz="1400" dirty="0" err="1">
-                <a:sym typeface="Wingdings" panose="05000000000000000000" pitchFamily="2" charset="2"/>
-              </a:rPr>
-              <a:t>unknown</a:t>
-            </a:r>
-            <a:r>
-              <a:rPr lang="fr-FR" sz="1400" dirty="0">
-                <a:sym typeface="Wingdings" panose="05000000000000000000" pitchFamily="2" charset="2"/>
-              </a:rPr>
-              <a:t> ».</a:t>
+              <a:t>Supprimer les produits n’ayant pas de valeur cible.</a:t>
             </a:r>
           </a:p>
           <a:p>
@@ -10287,31 +10197,19 @@
               <a:rPr lang="fr-FR" sz="1400" dirty="0">
                 <a:sym typeface="Wingdings" panose="05000000000000000000" pitchFamily="2" charset="2"/>
               </a:rPr>
-              <a:t>Supprimer les produits en double : « un doublon est un produit dont le nom du produit (</a:t>
+              <a:t>Supprimer les produits en double (même « </a:t>
             </a:r>
             <a:r>
               <a:rPr lang="fr-FR" sz="1400" dirty="0" err="1">
                 <a:sym typeface="Wingdings" panose="05000000000000000000" pitchFamily="2" charset="2"/>
               </a:rPr>
-              <a:t>product</a:t>
+              <a:t>product_name</a:t>
             </a:r>
             <a:r>
               <a:rPr lang="fr-FR" sz="1400" dirty="0">
                 <a:sym typeface="Wingdings" panose="05000000000000000000" pitchFamily="2" charset="2"/>
               </a:rPr>
-              <a:t> </a:t>
-            </a:r>
-            <a:r>
-              <a:rPr lang="fr-FR" sz="1400" dirty="0" err="1">
-                <a:sym typeface="Wingdings" panose="05000000000000000000" pitchFamily="2" charset="2"/>
-              </a:rPr>
-              <a:t>name</a:t>
-            </a:r>
-            <a:r>
-              <a:rPr lang="fr-FR" sz="1400" dirty="0">
-                <a:sym typeface="Wingdings" panose="05000000000000000000" pitchFamily="2" charset="2"/>
-              </a:rPr>
-              <a:t>) est identique. »</a:t>
+              <a:t> »).</a:t>
             </a:r>
             <a:endParaRPr lang="fr-FR" sz="2400" dirty="0"/>
           </a:p>
@@ -10341,7 +10239,7 @@
             </a:r>
             <a:r>
               <a:rPr lang="fr-FR" sz="1400" dirty="0"/>
-              <a:t> qui me semblent intéressantes pour la prédiction de la cible :</a:t>
+              <a:t> intéressantes pour la prédiction de la cible :</a:t>
             </a:r>
           </a:p>
           <a:p>
@@ -10578,15 +10476,13 @@
             </a:r>
             <a:r>
               <a:rPr lang="fr-FR" sz="2400" dirty="0"/>
-              <a:t> ont mis en évidence que l’utilisation des limites IQR et du z-score ne serait pas pertinente pour les </a:t>
-            </a:r>
-            <a:r>
-              <a:rPr lang="fr-FR" sz="2400" dirty="0" err="1"/>
-              <a:t>features</a:t>
-            </a:r>
+              <a:t> montrent que l’utilisation des limites IQR et du z-score ne serait pas pertinente ici. </a:t>
+            </a:r>
+          </a:p>
+          <a:p>
             <a:r>
               <a:rPr lang="fr-FR" sz="2400" dirty="0"/>
-              <a:t> sélectionnées. </a:t>
+              <a:t>Les actions automatisées sont les suivantes :</a:t>
             </a:r>
           </a:p>
           <a:p>
@@ -10595,14 +10491,104 @@
               <a:buChar char="ü"/>
             </a:pPr>
             <a:r>
-              <a:rPr lang="fr-FR" sz="2000" dirty="0"/>
-              <a:t>Par exemple 100g de sel pour un produit comme « sel » serait vu comment aberrant alors qu’il s’agit d’une valeur normale.</a:t>
-            </a:r>
-          </a:p>
-          <a:p>
-            <a:r>
-              <a:rPr lang="fr-FR" sz="2400" dirty="0"/>
-              <a:t>Les actions automatisées sont les suivantes :</a:t>
+              <a:rPr lang="fr-FR" sz="1600" dirty="0"/>
+              <a:t>Remplacer par NaN</a:t>
+            </a:r>
+          </a:p>
+          <a:p>
+            <a:pPr lvl="2">
+              <a:buFont typeface="Wingdings" panose="05000000000000000000" pitchFamily="2" charset="2"/>
+              <a:buChar char="Ø"/>
+            </a:pPr>
+            <a:r>
+              <a:rPr lang="fr-FR" sz="1400" dirty="0"/>
+              <a:t>les valeurs négatives et supérieures à 100 (hors </a:t>
+            </a:r>
+            <a:r>
+              <a:rPr lang="fr-FR" sz="1400" dirty="0" err="1"/>
+              <a:t>energy</a:t>
+            </a:r>
+            <a:r>
+              <a:rPr lang="fr-FR" sz="1400" dirty="0"/>
+              <a:t> et </a:t>
+            </a:r>
+            <a:r>
+              <a:rPr lang="fr-FR" sz="1400" dirty="0" err="1"/>
+              <a:t>nutrition_grade_fr</a:t>
+            </a:r>
+            <a:r>
+              <a:rPr lang="fr-FR" sz="1400" dirty="0"/>
+              <a:t>)</a:t>
+            </a:r>
+          </a:p>
+          <a:p>
+            <a:pPr lvl="2">
+              <a:buFont typeface="Wingdings" panose="05000000000000000000" pitchFamily="2" charset="2"/>
+              <a:buChar char="Ø"/>
+            </a:pPr>
+            <a:r>
+              <a:rPr lang="fr-FR" sz="1400" dirty="0"/>
+              <a:t>Les  valeurs de « </a:t>
+            </a:r>
+            <a:r>
+              <a:rPr lang="fr-FR" sz="1400" dirty="0" err="1"/>
+              <a:t>saturated</a:t>
+            </a:r>
+            <a:r>
+              <a:rPr lang="fr-FR" sz="1400" dirty="0"/>
+              <a:t>-fat » et « fat », quand </a:t>
+            </a:r>
+            <a:r>
+              <a:rPr lang="fr-FR" sz="1400" dirty="0" err="1"/>
+              <a:t>saturated</a:t>
+            </a:r>
+            <a:r>
+              <a:rPr lang="fr-FR" sz="1400" dirty="0"/>
+              <a:t>-fat &gt; fat</a:t>
+            </a:r>
+          </a:p>
+          <a:p>
+            <a:pPr lvl="2">
+              <a:buFont typeface="Wingdings" panose="05000000000000000000" pitchFamily="2" charset="2"/>
+              <a:buChar char="Ø"/>
+            </a:pPr>
+            <a:r>
+              <a:rPr lang="fr-FR" sz="1400" dirty="0"/>
+              <a:t>Les valeurs de « carbohydrates » et « </a:t>
+            </a:r>
+            <a:r>
+              <a:rPr lang="fr-FR" sz="1400" dirty="0" err="1"/>
+              <a:t>sugars</a:t>
+            </a:r>
+            <a:r>
+              <a:rPr lang="fr-FR" sz="1400" dirty="0"/>
+              <a:t> », quand </a:t>
+            </a:r>
+            <a:r>
+              <a:rPr lang="fr-FR" sz="1400" dirty="0" err="1"/>
+              <a:t>sugars</a:t>
+            </a:r>
+            <a:r>
+              <a:rPr lang="fr-FR" sz="1400" dirty="0"/>
+              <a:t> &gt; carbohydrates</a:t>
+            </a:r>
+          </a:p>
+          <a:p>
+            <a:pPr lvl="2">
+              <a:buFont typeface="Wingdings" panose="05000000000000000000" pitchFamily="2" charset="2"/>
+              <a:buChar char="Ø"/>
+            </a:pPr>
+            <a:r>
+              <a:rPr lang="fr-FR" sz="1400" dirty="0"/>
+              <a:t>Les valeurs de « </a:t>
+            </a:r>
+            <a:r>
+              <a:rPr lang="fr-FR" sz="1400" dirty="0" err="1"/>
+              <a:t>energy</a:t>
+            </a:r>
+            <a:r>
+              <a:rPr lang="fr-FR" sz="1400" dirty="0"/>
+              <a:t> » &gt; 4 000kj</a:t>
             </a:r>
           </a:p>
           <a:p>
@@ -10612,23 +10598,48 @@
             </a:pPr>
             <a:r>
               <a:rPr lang="fr-FR" sz="1600" dirty="0"/>
-              <a:t>Remplacer par NaN, les valeurs négatives et supérieures à 100 (hors </a:t>
-            </a:r>
-            <a:r>
-              <a:rPr lang="fr-FR" sz="1600" dirty="0" err="1"/>
+              <a:t>Remplacer la valeur d'énergie par la valeur calculée avec la formule : </a:t>
+            </a:r>
+          </a:p>
+          <a:p>
+            <a:pPr marL="457200" lvl="1" indent="0">
+              <a:buNone/>
+            </a:pPr>
+            <a:r>
+              <a:rPr lang="fr-FR" sz="1600" dirty="0"/>
+              <a:t>			</a:t>
+            </a:r>
+            <a:r>
+              <a:rPr lang="fr-FR" sz="1600" dirty="0" err="1">
+                <a:solidFill>
+                  <a:srgbClr val="0070C0"/>
+                </a:solidFill>
+              </a:rPr>
               <a:t>energy</a:t>
             </a:r>
             <a:r>
-              <a:rPr lang="fr-FR" sz="1600" dirty="0"/>
-              <a:t> et </a:t>
-            </a:r>
-            <a:r>
-              <a:rPr lang="fr-FR" sz="1600" dirty="0" err="1"/>
-              <a:t>nutrition_grade_fr</a:t>
-            </a:r>
-            <a:r>
-              <a:rPr lang="fr-FR" sz="1600" dirty="0"/>
-              <a:t>)</a:t>
+              <a:rPr lang="fr-FR" sz="1600" dirty="0">
+                <a:solidFill>
+                  <a:srgbClr val="0070C0"/>
+                </a:solidFill>
+              </a:rPr>
+              <a:t> = 17 *</a:t>
+            </a:r>
+            <a:r>
+              <a:rPr lang="fr-FR" sz="1600" dirty="0" err="1">
+                <a:solidFill>
+                  <a:srgbClr val="0070C0"/>
+                </a:solidFill>
+              </a:rPr>
+              <a:t>proteins</a:t>
+            </a:r>
+            <a:r>
+              <a:rPr lang="fr-FR" sz="1600" dirty="0">
+                <a:solidFill>
+                  <a:srgbClr val="0070C0"/>
+                </a:solidFill>
+              </a:rPr>
+              <a:t> + 37 * fat + 17 * carbohydrates</a:t>
             </a:r>
           </a:p>
           <a:p>
@@ -10638,23 +10649,7 @@
             </a:pPr>
             <a:r>
               <a:rPr lang="fr-FR" sz="1600" dirty="0"/>
-              <a:t>Remplacer par NaN de « </a:t>
-            </a:r>
-            <a:r>
-              <a:rPr lang="fr-FR" sz="1600" dirty="0" err="1"/>
-              <a:t>saturated</a:t>
-            </a:r>
-            <a:r>
-              <a:rPr lang="fr-FR" sz="1600" dirty="0"/>
-              <a:t>-fat » et « fat », quand </a:t>
-            </a:r>
-            <a:r>
-              <a:rPr lang="fr-FR" sz="1600" dirty="0" err="1"/>
-              <a:t>saturated</a:t>
-            </a:r>
-            <a:r>
-              <a:rPr lang="fr-FR" sz="1600" dirty="0"/>
-              <a:t>-fat &gt; fat</a:t>
+              <a:t>Remplacer par 0 les valeurs de « energy_100g » &gt; 0 quand aucune protéine, lipide, et glucide</a:t>
             </a:r>
           </a:p>
           <a:p>
@@ -10664,23 +10659,7 @@
             </a:pPr>
             <a:r>
               <a:rPr lang="fr-FR" sz="1600" dirty="0"/>
-              <a:t>Remplacer par NaN de « carbohydrates » et « </a:t>
-            </a:r>
-            <a:r>
-              <a:rPr lang="fr-FR" sz="1600" dirty="0" err="1"/>
-              <a:t>sugars</a:t>
-            </a:r>
-            <a:r>
-              <a:rPr lang="fr-FR" sz="1600" dirty="0"/>
-              <a:t> », quand </a:t>
-            </a:r>
-            <a:r>
-              <a:rPr lang="fr-FR" sz="1600" dirty="0" err="1"/>
-              <a:t>sugars</a:t>
-            </a:r>
-            <a:r>
-              <a:rPr lang="fr-FR" sz="1600" dirty="0"/>
-              <a:t> &gt; carbohydrates</a:t>
+              <a:t>Supprimer les produits avec plus de 100g de nutriments</a:t>
             </a:r>
           </a:p>
           <a:p>
@@ -10690,78 +10669,6 @@
             </a:pPr>
             <a:r>
               <a:rPr lang="fr-FR" sz="1600" dirty="0"/>
-              <a:t>Remplacer par NaN les valeurs de la </a:t>
-            </a:r>
-            <a:r>
-              <a:rPr lang="fr-FR" sz="1600" dirty="0" err="1"/>
-              <a:t>feature</a:t>
-            </a:r>
-            <a:r>
-              <a:rPr lang="fr-FR" sz="1600" dirty="0"/>
-              <a:t> « </a:t>
-            </a:r>
-            <a:r>
-              <a:rPr lang="fr-FR" sz="1600" dirty="0" err="1"/>
-              <a:t>energy</a:t>
-            </a:r>
-            <a:r>
-              <a:rPr lang="fr-FR" sz="1600" dirty="0"/>
-              <a:t> » &gt; 4 000kj</a:t>
-            </a:r>
-          </a:p>
-          <a:p>
-            <a:pPr lvl="1">
-              <a:buFont typeface="Wingdings" panose="05000000000000000000" pitchFamily="2" charset="2"/>
-              <a:buChar char="ü"/>
-            </a:pPr>
-            <a:r>
-              <a:rPr lang="fr-FR" sz="1600" dirty="0"/>
-              <a:t>Remplacer la valeur d'énergie par la valeur calculée avec la formule : </a:t>
-            </a:r>
-            <a:r>
-              <a:rPr lang="fr-FR" sz="1600" dirty="0" err="1"/>
-              <a:t>energy</a:t>
-            </a:r>
-            <a:r>
-              <a:rPr lang="fr-FR" sz="1600" dirty="0"/>
-              <a:t> = 17 *</a:t>
-            </a:r>
-            <a:r>
-              <a:rPr lang="fr-FR" sz="1600" dirty="0" err="1"/>
-              <a:t>proteins</a:t>
-            </a:r>
-            <a:r>
-              <a:rPr lang="fr-FR" sz="1600" dirty="0"/>
-              <a:t> + 37 * fat + 17 * carbohydrates</a:t>
-            </a:r>
-          </a:p>
-          <a:p>
-            <a:pPr lvl="1">
-              <a:buFont typeface="Wingdings" panose="05000000000000000000" pitchFamily="2" charset="2"/>
-              <a:buChar char="ü"/>
-            </a:pPr>
-            <a:r>
-              <a:rPr lang="fr-FR" sz="1600" dirty="0"/>
-              <a:t>Remplacer par 0 l’énergie des produits dont « energy_100g » &gt; 0, alors qu'il n'y a aucune protéine, lipide, et glucide</a:t>
-            </a:r>
-          </a:p>
-          <a:p>
-            <a:pPr lvl="1">
-              <a:buFont typeface="Wingdings" panose="05000000000000000000" pitchFamily="2" charset="2"/>
-              <a:buChar char="ü"/>
-            </a:pPr>
-            <a:r>
-              <a:rPr lang="fr-FR" sz="1600" dirty="0"/>
-              <a:t>Supprimer les produits qui ont plus de 100g de nutriments, car corriger manuellement les valeurs prendraient trop de temps</a:t>
-            </a:r>
-          </a:p>
-          <a:p>
-            <a:pPr lvl="1">
-              <a:buFont typeface="Wingdings" panose="05000000000000000000" pitchFamily="2" charset="2"/>
-              <a:buChar char="ü"/>
-            </a:pPr>
-            <a:r>
-              <a:rPr lang="fr-FR" sz="1600" dirty="0"/>
               <a:t>Supprimer les produits avec plus de 80% de valeurs manquantes</a:t>
             </a:r>
           </a:p>
@@ -10776,7 +10683,7 @@
             </a:r>
             <a:r>
               <a:rPr lang="fr-FR" sz="2000" dirty="0"/>
-              <a:t> contient désormais environ 55 000 produits</a:t>
+              <a:t> contient désormais ~ 55 000 produits</a:t>
             </a:r>
           </a:p>
           <a:p>
@@ -10889,7 +10796,7 @@
         </p:spPr>
         <p:txBody>
           <a:bodyPr>
-            <a:normAutofit fontScale="85000" lnSpcReduction="20000"/>
+            <a:normAutofit/>
           </a:bodyPr>
           <a:lstStyle/>
           <a:p>
@@ -10903,14 +10810,13 @@
             </a:r>
             <a:r>
               <a:rPr lang="fr-FR" sz="1400" dirty="0"/>
-              <a:t> : matrice des corrélations </a:t>
-            </a:r>
-            <a:r>
-              <a:rPr lang="fr-FR" sz="1400" dirty="0">
-                <a:sym typeface="Wingdings" panose="05000000000000000000" pitchFamily="2" charset="2"/>
-              </a:rPr>
-              <a:t></a:t>
-            </a:r>
+              <a:t> : matrice des corrélations</a:t>
+            </a:r>
+            <a:endParaRPr lang="fr-FR" sz="1400" dirty="0">
+              <a:sym typeface="Wingdings" panose="05000000000000000000" pitchFamily="2" charset="2"/>
+            </a:endParaRPr>
+          </a:p>
+          <a:p>
             <a:endParaRPr lang="fr-FR" sz="1400" dirty="0"/>
           </a:p>
           <a:p>
@@ -10934,31 +10840,15 @@
           <a:p>
             <a:r>
               <a:rPr lang="fr-FR" sz="1400" dirty="0"/>
-              <a:t>La </a:t>
+              <a:t>Remplacer les valeurs manquantes par la médiane pour les </a:t>
             </a:r>
             <a:r>
               <a:rPr lang="fr-FR" sz="1400" dirty="0" err="1"/>
-              <a:t>feature</a:t>
+              <a:t>features</a:t>
             </a:r>
             <a:r>
               <a:rPr lang="fr-FR" sz="1400" dirty="0"/>
-              <a:t> « </a:t>
-            </a:r>
-            <a:r>
-              <a:rPr lang="fr-FR" sz="1400" dirty="0" err="1"/>
-              <a:t>proteins</a:t>
-            </a:r>
-            <a:r>
-              <a:rPr lang="fr-FR" sz="1400" dirty="0"/>
-              <a:t> » n’est corrélée à aucune </a:t>
-            </a:r>
-            <a:r>
-              <a:rPr lang="fr-FR" sz="1400" dirty="0" err="1"/>
-              <a:t>feature</a:t>
-            </a:r>
-            <a:r>
-              <a:rPr lang="fr-FR" sz="1400" dirty="0"/>
-              <a:t>, et elle a très peu de valeurs manquantes</a:t>
+              <a:t> :</a:t>
             </a:r>
           </a:p>
           <a:p>
@@ -10967,13 +10857,17 @@
               <a:buChar char="ü"/>
             </a:pPr>
             <a:r>
-              <a:rPr lang="fr-FR" sz="1300" b="0" i="0" dirty="0">
-                <a:effectLst/>
-                <a:latin typeface="system-ui"/>
-              </a:rPr>
-              <a:t>Comme sa distribution est asymétrique (voir annexe 1), on peut utiliser la médiane.</a:t>
-            </a:r>
-            <a:endParaRPr lang="fr-FR" sz="1300" dirty="0"/>
+              <a:rPr lang="fr-FR" sz="1200" dirty="0"/>
+              <a:t>« </a:t>
+            </a:r>
+            <a:r>
+              <a:rPr lang="fr-FR" sz="1200" dirty="0" err="1"/>
+              <a:t>proteins</a:t>
+            </a:r>
+            <a:r>
+              <a:rPr lang="fr-FR" sz="1200" dirty="0"/>
+              <a:t> »</a:t>
+            </a:r>
           </a:p>
           <a:p>
             <a:pPr lvl="1">
@@ -10981,36 +10875,47 @@
               <a:buChar char="ü"/>
             </a:pPr>
             <a:r>
-              <a:rPr lang="fr-FR" sz="1300" dirty="0"/>
-              <a:t>Remplacer les valeurs manquantes par la médiane</a:t>
+              <a:rPr lang="fr-FR" sz="1200" dirty="0"/>
+              <a:t>« </a:t>
+            </a:r>
+            <a:r>
+              <a:rPr lang="fr-FR" sz="1200" dirty="0" err="1"/>
+              <a:t>salt</a:t>
+            </a:r>
+            <a:r>
+              <a:rPr lang="fr-FR" sz="1200" dirty="0"/>
+              <a:t> »</a:t>
             </a:r>
           </a:p>
           <a:p>
             <a:r>
               <a:rPr lang="fr-FR" sz="1400" dirty="0"/>
-              <a:t>La </a:t>
+              <a:t>Remplacer les valeurs manquantes avec l’outil </a:t>
             </a:r>
             <a:r>
               <a:rPr lang="fr-FR" sz="1400" dirty="0" err="1"/>
-              <a:t>feature</a:t>
+              <a:t>IterativeImputer</a:t>
             </a:r>
             <a:r>
               <a:rPr lang="fr-FR" sz="1400" dirty="0"/>
-              <a:t> « </a:t>
+              <a:t> de la librairie </a:t>
             </a:r>
             <a:r>
               <a:rPr lang="fr-FR" sz="1400" dirty="0" err="1"/>
-              <a:t>salt</a:t>
+              <a:t>Scikit-learn</a:t>
             </a:r>
             <a:r>
               <a:rPr lang="fr-FR" sz="1400" dirty="0"/>
-              <a:t> » n’est corrélée à aucune </a:t>
+              <a:t> pour les </a:t>
             </a:r>
             <a:r>
               <a:rPr lang="fr-FR" sz="1400" dirty="0" err="1"/>
-              <a:t>feature</a:t>
-            </a:r>
-            <a:endParaRPr lang="fr-FR" sz="1400" dirty="0"/>
+              <a:t>features</a:t>
+            </a:r>
+            <a:r>
+              <a:rPr lang="fr-FR" sz="1400" dirty="0"/>
+              <a:t> :</a:t>
+            </a:r>
           </a:p>
           <a:p>
             <a:pPr lvl="1">
@@ -11018,8 +10923,16 @@
               <a:buChar char="ü"/>
             </a:pPr>
             <a:r>
-              <a:rPr lang="fr-FR" sz="1300" dirty="0"/>
-              <a:t>Sa distribution est asymétrique (voir annexe 1), on peut utiliser la médiane.</a:t>
+              <a:rPr lang="fr-FR" sz="1200" dirty="0"/>
+              <a:t>« fat » et « </a:t>
+            </a:r>
+            <a:r>
+              <a:rPr lang="fr-FR" sz="1200" dirty="0" err="1"/>
+              <a:t>saturated</a:t>
+            </a:r>
+            <a:r>
+              <a:rPr lang="fr-FR" sz="1200" dirty="0"/>
+              <a:t>-fat » , corrélées entre elles</a:t>
             </a:r>
           </a:p>
           <a:p>
@@ -11028,34 +10941,85 @@
               <a:buChar char="ü"/>
             </a:pPr>
             <a:r>
-              <a:rPr lang="fr-FR" sz="1300" dirty="0"/>
-              <a:t>Remplacer les valeurs manquantes par la médiane</a:t>
+              <a:rPr lang="fr-FR" sz="1200" dirty="0"/>
+              <a:t>« carbohydrates » et « </a:t>
+            </a:r>
+            <a:r>
+              <a:rPr lang="fr-FR" sz="1200" dirty="0" err="1"/>
+              <a:t>sugars</a:t>
+            </a:r>
+            <a:r>
+              <a:rPr lang="fr-FR" sz="1200" dirty="0"/>
+              <a:t> », corrélées entre elles</a:t>
             </a:r>
           </a:p>
           <a:p>
             <a:r>
               <a:rPr lang="fr-FR" sz="1400" dirty="0"/>
-              <a:t>Les </a:t>
+              <a:t>Remplacer les valeurs par manquantes de la </a:t>
             </a:r>
             <a:r>
               <a:rPr lang="fr-FR" sz="1400" dirty="0" err="1"/>
-              <a:t>features</a:t>
+              <a:t>feature</a:t>
             </a:r>
             <a:r>
               <a:rPr lang="fr-FR" sz="1400" dirty="0"/>
-              <a:t> « fat » et « </a:t>
+              <a:t> « </a:t>
             </a:r>
             <a:r>
               <a:rPr lang="fr-FR" sz="1400" dirty="0" err="1"/>
-              <a:t>saturated</a:t>
+              <a:t>energy</a:t>
             </a:r>
             <a:r>
               <a:rPr lang="fr-FR" sz="1400" dirty="0"/>
-              <a:t>-fat » sont corrélées entre elles, et il</a:t>
-            </a:r>
-            <a:r>
-              <a:rPr lang="fr-FR" sz="1000" dirty="0"/>
-              <a:t> manque des valeurs dans les 2 colonnes</a:t>
+              <a:t> » avec la formule :</a:t>
+            </a:r>
+          </a:p>
+          <a:p>
+            <a:pPr marL="0" indent="0">
+              <a:buNone/>
+            </a:pPr>
+            <a:r>
+              <a:rPr lang="fr-FR" sz="1400" dirty="0"/>
+              <a:t>		</a:t>
+            </a:r>
+            <a:r>
+              <a:rPr lang="fr-FR" sz="1200" dirty="0" err="1"/>
+              <a:t>energy</a:t>
+            </a:r>
+            <a:r>
+              <a:rPr lang="fr-FR" sz="1200" dirty="0"/>
+              <a:t> = 17 x </a:t>
+            </a:r>
+            <a:r>
+              <a:rPr lang="fr-FR" sz="1200" dirty="0" err="1"/>
+              <a:t>proteins</a:t>
+            </a:r>
+            <a:r>
+              <a:rPr lang="fr-FR" sz="1200" dirty="0"/>
+              <a:t> + 37 x fat + 17 x carbohydrates</a:t>
+            </a:r>
+          </a:p>
+          <a:p>
+            <a:r>
+              <a:rPr lang="fr-FR" sz="1400" dirty="0"/>
+              <a:t>Remplacer les valeurs manquantes avec KNN Imputer (voisin le plus proche) pour la </a:t>
+            </a:r>
+            <a:r>
+              <a:rPr lang="fr-FR" sz="1400" dirty="0" err="1"/>
+              <a:t>feature</a:t>
+            </a:r>
+            <a:r>
+              <a:rPr lang="fr-FR" sz="1400" dirty="0"/>
+              <a:t> catégorielle « </a:t>
+            </a:r>
+            <a:r>
+              <a:rPr lang="fr-FR" sz="1400" dirty="0" err="1"/>
+              <a:t>nutrition_grade_fr</a:t>
+            </a:r>
+            <a:r>
+              <a:rPr lang="fr-FR" sz="1400" dirty="0"/>
+              <a:t> » :  </a:t>
             </a:r>
           </a:p>
           <a:p>
@@ -11064,138 +11028,16 @@
               <a:buChar char="ü"/>
             </a:pPr>
             <a:r>
-              <a:rPr lang="fr-FR" sz="1300" dirty="0"/>
-              <a:t>Remplacer les valeurs manquantes avec l’outil </a:t>
-            </a:r>
-            <a:r>
-              <a:rPr lang="fr-FR" sz="1300" dirty="0" err="1"/>
-              <a:t>IterativeImputer</a:t>
-            </a:r>
-            <a:r>
-              <a:rPr lang="fr-FR" sz="1300" dirty="0"/>
-              <a:t> de la librairie </a:t>
-            </a:r>
-            <a:r>
-              <a:rPr lang="fr-FR" sz="1300" dirty="0" err="1"/>
-              <a:t>Scikit-learn</a:t>
-            </a:r>
-            <a:r>
-              <a:rPr lang="fr-FR" sz="1300" dirty="0"/>
-              <a:t>.</a:t>
-            </a:r>
-          </a:p>
-          <a:p>
-            <a:r>
               <a:rPr lang="fr-FR" sz="1400" dirty="0"/>
-              <a:t>Les </a:t>
+              <a:t>En utilisant </a:t>
             </a:r>
             <a:r>
               <a:rPr lang="fr-FR" sz="1400" dirty="0" err="1"/>
-              <a:t>features</a:t>
+              <a:t>l'energy</a:t>
             </a:r>
             <a:r>
               <a:rPr lang="fr-FR" sz="1400" dirty="0"/>
-              <a:t> « carbohydrates » et « </a:t>
-            </a:r>
-            <a:r>
-              <a:rPr lang="fr-FR" sz="1400" dirty="0" err="1"/>
-              <a:t>sugars</a:t>
-            </a:r>
-            <a:r>
-              <a:rPr lang="fr-FR" sz="1400" dirty="0"/>
-              <a:t> » sont corrélées entre elles, et il</a:t>
-            </a:r>
-            <a:r>
-              <a:rPr lang="fr-FR" sz="1000" dirty="0"/>
-              <a:t> manque des valeurs dans les 2 colonnes</a:t>
-            </a:r>
-          </a:p>
-          <a:p>
-            <a:pPr lvl="1">
-              <a:buFont typeface="Wingdings" panose="05000000000000000000" pitchFamily="2" charset="2"/>
-              <a:buChar char="ü"/>
-            </a:pPr>
-            <a:r>
-              <a:rPr lang="fr-FR" sz="1300" dirty="0"/>
-              <a:t>Remplacer les valeurs manquantes avec l’outil </a:t>
-            </a:r>
-            <a:r>
-              <a:rPr lang="fr-FR" sz="1300" dirty="0" err="1"/>
-              <a:t>IterativeImputer</a:t>
-            </a:r>
-            <a:r>
-              <a:rPr lang="fr-FR" sz="1300" dirty="0"/>
-              <a:t> de la librairie </a:t>
-            </a:r>
-            <a:r>
-              <a:rPr lang="fr-FR" sz="1300" dirty="0" err="1"/>
-              <a:t>Scikit-learn</a:t>
-            </a:r>
-            <a:r>
-              <a:rPr lang="fr-FR" sz="1300" dirty="0"/>
-              <a:t>.</a:t>
-            </a:r>
-          </a:p>
-          <a:p>
-            <a:r>
-              <a:rPr lang="fr-FR" sz="1400" dirty="0"/>
-              <a:t>La </a:t>
-            </a:r>
-            <a:r>
-              <a:rPr lang="fr-FR" sz="1400" dirty="0" err="1"/>
-              <a:t>feature</a:t>
-            </a:r>
-            <a:r>
-              <a:rPr lang="fr-FR" sz="1400" dirty="0"/>
-              <a:t> « </a:t>
-            </a:r>
-            <a:r>
-              <a:rPr lang="fr-FR" sz="1400" dirty="0" err="1"/>
-              <a:t>energy</a:t>
-            </a:r>
-            <a:r>
-              <a:rPr lang="fr-FR" sz="1400" dirty="0"/>
-              <a:t> » est par définition calculée avec la formule : </a:t>
-            </a:r>
-            <a:r>
-              <a:rPr lang="fr-FR" sz="1400" dirty="0" err="1"/>
-              <a:t>energy</a:t>
-            </a:r>
-            <a:r>
-              <a:rPr lang="fr-FR" sz="1400" dirty="0"/>
-              <a:t> = 17 x </a:t>
-            </a:r>
-            <a:r>
-              <a:rPr lang="fr-FR" sz="1400" dirty="0" err="1"/>
-              <a:t>proteins</a:t>
-            </a:r>
-            <a:r>
-              <a:rPr lang="fr-FR" sz="1400" dirty="0"/>
-              <a:t> + 37 x fat + 17 x carbohydrates</a:t>
-            </a:r>
-          </a:p>
-          <a:p>
-            <a:pPr lvl="1">
-              <a:buFont typeface="Wingdings" panose="05000000000000000000" pitchFamily="2" charset="2"/>
-              <a:buChar char="ü"/>
-            </a:pPr>
-            <a:r>
-              <a:rPr lang="fr-FR" sz="1300" dirty="0"/>
-              <a:t>Remplacer les valeurs manquantes par le calcul avec cette formule</a:t>
-            </a:r>
-          </a:p>
-          <a:p>
-            <a:r>
-              <a:rPr lang="fr-FR" sz="1400" dirty="0"/>
-              <a:t>La </a:t>
-            </a:r>
-            <a:r>
-              <a:rPr lang="fr-FR" sz="1400" dirty="0" err="1"/>
-              <a:t>feature</a:t>
-            </a:r>
-            <a:r>
-              <a:rPr lang="fr-FR" sz="1400" dirty="0"/>
-              <a:t> « </a:t>
+              <a:t>, les carbohydrates, et fat, qui sont corrélées au « </a:t>
             </a:r>
             <a:r>
               <a:rPr lang="fr-FR" sz="1400" dirty="0" err="1"/>
@@ -11203,69 +11045,8 @@
             </a:r>
             <a:r>
               <a:rPr lang="fr-FR" sz="1400" dirty="0"/>
-              <a:t> » est une variable catégorielle, nécessitant une approche différente</a:t>
-            </a:r>
-          </a:p>
-          <a:p>
-            <a:pPr lvl="1">
-              <a:buFont typeface="Wingdings" panose="05000000000000000000" pitchFamily="2" charset="2"/>
-              <a:buChar char="ü"/>
-            </a:pPr>
-            <a:r>
-              <a:rPr lang="fr-FR" sz="1300" dirty="0" err="1"/>
-              <a:t>L'energy</a:t>
-            </a:r>
-            <a:r>
-              <a:rPr lang="fr-FR" sz="1300" dirty="0"/>
-              <a:t>, les carbohydrates, et fat, se dispersent différemment selon la valeur du </a:t>
-            </a:r>
-            <a:r>
-              <a:rPr lang="fr-FR" sz="1300" dirty="0" err="1"/>
-              <a:t>nutrition_grade</a:t>
-            </a:r>
-            <a:r>
-              <a:rPr lang="fr-FR" sz="1300" dirty="0"/>
-              <a:t> (voir annexe 2)</a:t>
-            </a:r>
-          </a:p>
-          <a:p>
-            <a:pPr lvl="1">
-              <a:buFont typeface="Wingdings" panose="05000000000000000000" pitchFamily="2" charset="2"/>
-              <a:buChar char="ü"/>
-            </a:pPr>
-            <a:r>
-              <a:rPr lang="fr-FR" sz="1300" dirty="0"/>
-              <a:t>Cela sous-entend une corrélation, entre le </a:t>
-            </a:r>
-            <a:r>
-              <a:rPr lang="fr-FR" sz="1300" dirty="0" err="1"/>
-              <a:t>nutrition_grade</a:t>
-            </a:r>
-            <a:r>
-              <a:rPr lang="fr-FR" sz="1300" dirty="0"/>
-              <a:t> et ces variables quantitatives</a:t>
-            </a:r>
-          </a:p>
-          <a:p>
-            <a:pPr lvl="1">
-              <a:buFont typeface="Wingdings" panose="05000000000000000000" pitchFamily="2" charset="2"/>
-              <a:buChar char="ü"/>
-            </a:pPr>
-            <a:r>
-              <a:rPr lang="fr-FR" sz="1300" dirty="0"/>
-              <a:t>Remplacer les valeurs manquantes avec KNN Imputer (voisin le plus proche) est pertinent ici</a:t>
-            </a:r>
-          </a:p>
-          <a:p>
-            <a:pPr>
-              <a:buFont typeface="Courier New" panose="02070309020205020404" pitchFamily="49" charset="0"/>
-              <a:buChar char="o"/>
-            </a:pPr>
-            <a:endParaRPr lang="fr-FR" dirty="0"/>
-          </a:p>
-          <a:p>
-            <a:pPr lvl="1"/>
-            <a:endParaRPr lang="fr-FR" dirty="0"/>
+              <a:t> » (voir annexe 2)</a:t>
+            </a:r>
           </a:p>
         </p:txBody>
       </p:sp>
@@ -11291,8 +11072,8 @@
         </p:blipFill>
         <p:spPr>
           <a:xfrm>
-            <a:off x="7238355" y="998290"/>
-            <a:ext cx="4610499" cy="3833769"/>
+            <a:off x="7376063" y="958930"/>
+            <a:ext cx="4380397" cy="3642432"/>
           </a:xfrm>
           <a:prstGeom prst="rect">
             <a:avLst/>
@@ -11395,15 +11176,7 @@
           <a:p>
             <a:r>
               <a:rPr lang="fr-FR" sz="1600" dirty="0"/>
-              <a:t>Cette variable qualitative, catégorielle est nominale. Les valeurs n'ont pas d'ordre en particulier (contrairement au </a:t>
-            </a:r>
-            <a:r>
-              <a:rPr lang="fr-FR" sz="1600" dirty="0" err="1"/>
-              <a:t>nutrition_grade</a:t>
-            </a:r>
-            <a:r>
-              <a:rPr lang="fr-FR" sz="1600" dirty="0"/>
-              <a:t>).</a:t>
+              <a:t>Cette variable qualitative, catégorielle est nominale. </a:t>
             </a:r>
           </a:p>
           <a:p>
@@ -11888,21 +11661,13 @@
           <a:p>
             <a:r>
               <a:rPr lang="fr-FR" sz="1400" dirty="0"/>
-              <a:t>On observe que les produits avec un </a:t>
-            </a:r>
-            <a:r>
-              <a:rPr lang="fr-FR" sz="1400" dirty="0" err="1"/>
-              <a:t>nutrition_grade_fr</a:t>
-            </a:r>
+              <a:t>Les produits "d" sont les plus nombreux (près de 12 000 produits). Les produits en catégorie "a" et "b" sont les moins nombreux.</a:t>
+            </a:r>
+          </a:p>
+          <a:p>
             <a:r>
               <a:rPr lang="fr-FR" sz="1400" dirty="0"/>
-              <a:t> "d" sont les plus nombreux (près de 12 000 produits). Les produits en catégorie "a" et "b" sont les moins nombreux.</a:t>
-            </a:r>
-          </a:p>
-          <a:p>
-            <a:r>
-              <a:rPr lang="fr-FR" sz="1400" dirty="0"/>
-              <a:t>On observe que les produits de catégorie "c" et "d" représentent la moitié des produits.</a:t>
+              <a:t>Les produits de catégorie "c" et "d" représentent la moitié des produits.</a:t>
             </a:r>
           </a:p>
           <a:p>
@@ -12066,26 +11831,26 @@
         </p:nvSpPr>
         <p:spPr>
           <a:xfrm>
-            <a:off x="325986" y="4014133"/>
-            <a:ext cx="11233557" cy="2843867"/>
+            <a:off x="343427" y="4308943"/>
+            <a:ext cx="11233557" cy="2350112"/>
           </a:xfrm>
         </p:spPr>
         <p:txBody>
           <a:bodyPr>
-            <a:normAutofit/>
+            <a:noAutofit/>
           </a:bodyPr>
           <a:lstStyle/>
           <a:p>
             <a:r>
-              <a:rPr lang="fr-FR" sz="1400" dirty="0"/>
+              <a:rPr lang="fr-FR" sz="1600" dirty="0"/>
               <a:t>Les rapports de corrélations calculés (ANOVA) entre la cible et les </a:t>
             </a:r>
             <a:r>
-              <a:rPr lang="fr-FR" sz="1400" dirty="0" err="1"/>
+              <a:rPr lang="fr-FR" sz="1600" dirty="0" err="1"/>
               <a:t>features</a:t>
             </a:r>
             <a:r>
-              <a:rPr lang="fr-FR" sz="1400" dirty="0"/>
+              <a:rPr lang="fr-FR" sz="1600" dirty="0"/>
               <a:t> quantitatives, sont tous assez élevés :</a:t>
             </a:r>
           </a:p>
@@ -12095,7 +11860,7 @@
               <a:buChar char="ü"/>
             </a:pPr>
             <a:r>
-              <a:rPr lang="fr-FR" sz="1000" dirty="0"/>
+              <a:rPr lang="fr-FR" sz="1400" dirty="0"/>
               <a:t>energy_100g : 0.52</a:t>
             </a:r>
           </a:p>
@@ -12105,7 +11870,7 @@
               <a:buChar char="ü"/>
             </a:pPr>
             <a:r>
-              <a:rPr lang="fr-FR" sz="1000" dirty="0"/>
+              <a:rPr lang="fr-FR" sz="1400" dirty="0"/>
               <a:t>proteins_100g : 0.48</a:t>
             </a:r>
           </a:p>
@@ -12115,7 +11880,7 @@
               <a:buChar char="ü"/>
             </a:pPr>
             <a:r>
-              <a:rPr lang="fr-FR" sz="1000" dirty="0"/>
+              <a:rPr lang="fr-FR" sz="1400" dirty="0"/>
               <a:t>fat_100g : 0.33</a:t>
             </a:r>
           </a:p>
@@ -12125,7 +11890,7 @@
               <a:buChar char="ü"/>
             </a:pPr>
             <a:r>
-              <a:rPr lang="fr-FR" sz="1000" dirty="0"/>
+              <a:rPr lang="fr-FR" sz="1400" dirty="0"/>
               <a:t>carbohydrates_100g : 0.66</a:t>
             </a:r>
           </a:p>
@@ -12135,7 +11900,7 @@
               <a:buChar char="ü"/>
             </a:pPr>
             <a:r>
-              <a:rPr lang="fr-FR" sz="1000" dirty="0"/>
+              <a:rPr lang="fr-FR" sz="1400" dirty="0"/>
               <a:t>salt_100g : 0.14</a:t>
             </a:r>
           </a:p>
@@ -12145,7 +11910,7 @@
               <a:buChar char="ü"/>
             </a:pPr>
             <a:r>
-              <a:rPr lang="fr-FR" sz="1000" dirty="0"/>
+              <a:rPr lang="fr-FR" sz="1400" dirty="0"/>
               <a:t>sugars_100g : 0.53</a:t>
             </a:r>
           </a:p>
@@ -12155,28 +11920,8 @@
               <a:buChar char="ü"/>
             </a:pPr>
             <a:r>
-              <a:rPr lang="fr-FR" sz="1000" dirty="0"/>
+              <a:rPr lang="fr-FR" sz="1400" dirty="0"/>
               <a:t>saturated-fat_100g : 0.23</a:t>
-            </a:r>
-          </a:p>
-          <a:p>
-            <a:r>
-              <a:rPr lang="fr-FR" sz="1400" dirty="0"/>
-              <a:t>Comme il y a des paires de </a:t>
-            </a:r>
-            <a:r>
-              <a:rPr lang="fr-FR" sz="1400" dirty="0" err="1"/>
-              <a:t>features</a:t>
-            </a:r>
-            <a:r>
-              <a:rPr lang="fr-FR" sz="1400" dirty="0"/>
-              <a:t> corrélées entre elles, on n'en gardera qu'une seule des 2 pour l'analyse des corrélations avec la cible. </a:t>
-            </a:r>
-          </a:p>
-          <a:p>
-            <a:r>
-              <a:rPr lang="fr-FR" sz="1400" dirty="0"/>
-              <a:t>Résultats sur le slide suivant</a:t>
             </a:r>
           </a:p>
         </p:txBody>
@@ -12424,7 +12169,7 @@
               <a:rPr lang="fr-FR" sz="1400" dirty="0">
                 <a:latin typeface="system-ui"/>
               </a:rPr>
-              <a:t>On voit dans le tableau de contingence, la surreprésentation des "</a:t>
+              <a:t>Surreprésentation des "</a:t>
             </a:r>
             <a:r>
               <a:rPr lang="fr-FR" sz="1400" dirty="0" err="1">
@@ -12460,7 +12205,15 @@
               <a:rPr lang="fr-FR" sz="1400" dirty="0">
                 <a:latin typeface="system-ui"/>
               </a:rPr>
-              <a:t>" dans le score "a". Tout comme les "</a:t>
+              <a:t>" dans le score "a". </a:t>
+            </a:r>
+          </a:p>
+          <a:p>
+            <a:r>
+              <a:rPr lang="fr-FR" sz="1400" dirty="0">
+                <a:latin typeface="system-ui"/>
+              </a:rPr>
+              <a:t>Tout comme les "</a:t>
             </a:r>
             <a:r>
               <a:rPr lang="fr-FR" sz="1400" dirty="0" err="1">
@@ -12469,16 +12222,10 @@
               <a:t>sugary</a:t>
             </a:r>
             <a:r>
-              <a:rPr lang="fr-FR" sz="1400">
-                <a:latin typeface="system-ui"/>
-              </a:rPr>
-              <a:t> snacks" </a:t>
-            </a:r>
-            <a:r>
               <a:rPr lang="fr-FR" sz="1400" dirty="0">
                 <a:latin typeface="system-ui"/>
               </a:rPr>
-              <a:t>dans le score "e".</a:t>
+              <a:t> snacks" dans le score "e".</a:t>
             </a:r>
             <a:r>
               <a:rPr lang="fr-FR" sz="1400" dirty="0">
@@ -12750,7 +12497,7 @@
                   <a:schemeClr val="tx1"/>
                 </a:solidFill>
               </a:rPr>
-              <a:t>On verra sur le slide suivant que </a:t>
+              <a:t>Le slide suivant montrera que </a:t>
             </a:r>
           </a:p>
           <a:p>
